--- a/agile moves/Tomatoes (TOM)/ger_TOM_05_Tripletomate.pptx
+++ b/agile moves/Tomatoes (TOM)/ger_TOM_05_Tripletomate.pptx
@@ -504,7 +504,7 @@
                 <a:latin typeface="Avenir Heavy"/>
                 <a:cs typeface="Avenir Heavy"/>
               </a:rPr>
-              <a:t>TR	AININGS</a:t>
+              <a:t>TRAININGS</a:t>
             </a:r>
             <a:r>
               <a:rPr lang="de-DE" sz="2400" dirty="0" smtClean="0">
@@ -810,418 +810,6 @@
       </p:grpSpPr>
       <p:sp>
         <p:nvSpPr>
-          <p:cNvPr id="2" name="Titelplatzhalter 1"/>
-          <p:cNvSpPr>
-            <a:spLocks noGrp="1"/>
-          </p:cNvSpPr>
-          <p:nvPr>
-            <p:ph type="title"/>
-          </p:nvPr>
-        </p:nvSpPr>
-        <p:spPr>
-          <a:xfrm>
-            <a:off x="1173163" y="607122"/>
-            <a:ext cx="4358863" cy="830997"/>
-          </a:xfrm>
-          <a:prstGeom prst="rect">
-            <a:avLst/>
-          </a:prstGeom>
-          <a:noFill/>
-        </p:spPr>
-        <p:txBody>
-          <a:bodyPr wrap="square" rtlCol="0">
-            <a:spAutoFit/>
-          </a:bodyPr>
-          <a:lstStyle/>
-          <a:p>
-            <a:pPr marL="0" lvl="0" algn="l"/>
-            <a:r>
-              <a:rPr lang="de-DE" dirty="0" smtClean="0"/>
-              <a:t>Überschrift </a:t>
-            </a:r>
-            <a:br>
-              <a:rPr lang="de-DE" dirty="0" smtClean="0"/>
-            </a:br>
-            <a:r>
-              <a:rPr lang="de-DE" dirty="0" smtClean="0"/>
-              <a:t>bearbeiten </a:t>
-            </a:r>
-            <a:endParaRPr lang="de-DE" dirty="0"/>
-          </a:p>
-        </p:txBody>
-      </p:sp>
-      <p:sp>
-        <p:nvSpPr>
-          <p:cNvPr id="3" name="Textplatzhalter 2"/>
-          <p:cNvSpPr>
-            <a:spLocks noGrp="1"/>
-          </p:cNvSpPr>
-          <p:nvPr>
-            <p:ph type="body" idx="1"/>
-          </p:nvPr>
-        </p:nvSpPr>
-        <p:spPr>
-          <a:xfrm>
-            <a:off x="858838" y="1568452"/>
-            <a:ext cx="6011545" cy="3133835"/>
-          </a:xfrm>
-          <a:prstGeom prst="rect">
-            <a:avLst/>
-          </a:prstGeom>
-          <a:noFill/>
-        </p:spPr>
-        <p:txBody>
-          <a:bodyPr vert="horz" lIns="80678" tIns="40339" rIns="80678" bIns="40339" rtlCol="0">
-            <a:normAutofit/>
-          </a:bodyPr>
-          <a:lstStyle/>
-          <a:p>
-            <a:pPr lvl="0"/>
-            <a:r>
-              <a:rPr lang="de-DE" dirty="0" smtClean="0"/>
-              <a:t>Mastertextformat bearbeiten</a:t>
-            </a:r>
-          </a:p>
-          <a:p>
-            <a:pPr lvl="1"/>
-            <a:r>
-              <a:rPr lang="de-DE" dirty="0" smtClean="0"/>
-              <a:t>Zweite Ebene</a:t>
-            </a:r>
-          </a:p>
-          <a:p>
-            <a:pPr lvl="2"/>
-            <a:r>
-              <a:rPr lang="de-DE" dirty="0" smtClean="0"/>
-              <a:t>Dritte Ebene</a:t>
-            </a:r>
-          </a:p>
-          <a:p>
-            <a:pPr lvl="3"/>
-            <a:r>
-              <a:rPr lang="de-DE" dirty="0" smtClean="0"/>
-              <a:t>Vierte Ebene</a:t>
-            </a:r>
-          </a:p>
-          <a:p>
-            <a:pPr lvl="4"/>
-            <a:r>
-              <a:rPr lang="de-DE" dirty="0" smtClean="0"/>
-              <a:t>Fünfte Ebene</a:t>
-            </a:r>
-            <a:endParaRPr lang="de-DE" dirty="0"/>
-          </a:p>
-        </p:txBody>
-      </p:sp>
-      <p:sp>
-        <p:nvSpPr>
-          <p:cNvPr id="4" name="Datumsplatzhalter 3"/>
-          <p:cNvSpPr>
-            <a:spLocks noGrp="1"/>
-          </p:cNvSpPr>
-          <p:nvPr>
-            <p:ph type="dt" sz="half" idx="2"/>
-          </p:nvPr>
-        </p:nvSpPr>
-        <p:spPr>
-          <a:xfrm>
-            <a:off x="378144" y="4940886"/>
-            <a:ext cx="1764665" cy="283817"/>
-          </a:xfrm>
-          <a:prstGeom prst="rect">
-            <a:avLst/>
-          </a:prstGeom>
-        </p:spPr>
-        <p:txBody>
-          <a:bodyPr vert="horz" lIns="80678" tIns="40339" rIns="80678" bIns="40339" rtlCol="0" anchor="ctr"/>
-          <a:lstStyle>
-            <a:lvl1pPr algn="l">
-              <a:defRPr sz="1100">
-                <a:solidFill>
-                  <a:schemeClr val="tx1">
-                    <a:tint val="75000"/>
-                  </a:schemeClr>
-                </a:solidFill>
-              </a:defRPr>
-            </a:lvl1pPr>
-          </a:lstStyle>
-          <a:p>
-            <a:fld id="{FF5B2BAF-DF38-0A48-A798-0C06E514FD52}" type="datetimeFigureOut">
-              <a:rPr lang="de-DE" smtClean="0"/>
-              <a:t>29.05.15</a:t>
-            </a:fld>
-            <a:endParaRPr lang="de-DE" dirty="0"/>
-          </a:p>
-        </p:txBody>
-      </p:sp>
-      <p:sp>
-        <p:nvSpPr>
-          <p:cNvPr id="5" name="Fußzeilenplatzhalter 4"/>
-          <p:cNvSpPr>
-            <a:spLocks noGrp="1"/>
-          </p:cNvSpPr>
-          <p:nvPr>
-            <p:ph type="ftr" sz="quarter" idx="3"/>
-          </p:nvPr>
-        </p:nvSpPr>
-        <p:spPr>
-          <a:xfrm>
-            <a:off x="2583974" y="4940886"/>
-            <a:ext cx="2394903" cy="283817"/>
-          </a:xfrm>
-          <a:prstGeom prst="rect">
-            <a:avLst/>
-          </a:prstGeom>
-        </p:spPr>
-        <p:txBody>
-          <a:bodyPr vert="horz" lIns="80678" tIns="40339" rIns="80678" bIns="40339" rtlCol="0" anchor="ctr"/>
-          <a:lstStyle>
-            <a:lvl1pPr algn="ctr">
-              <a:defRPr sz="1100">
-                <a:solidFill>
-                  <a:schemeClr val="tx1">
-                    <a:tint val="75000"/>
-                  </a:schemeClr>
-                </a:solidFill>
-              </a:defRPr>
-            </a:lvl1pPr>
-          </a:lstStyle>
-          <a:p>
-            <a:endParaRPr lang="de-DE"/>
-          </a:p>
-        </p:txBody>
-      </p:sp>
-      <p:sp>
-        <p:nvSpPr>
-          <p:cNvPr id="6" name="Foliennummernplatzhalter 5"/>
-          <p:cNvSpPr>
-            <a:spLocks noGrp="1"/>
-          </p:cNvSpPr>
-          <p:nvPr>
-            <p:ph type="sldNum" sz="quarter" idx="4"/>
-          </p:nvPr>
-        </p:nvSpPr>
-        <p:spPr>
-          <a:xfrm>
-            <a:off x="5420044" y="4940886"/>
-            <a:ext cx="1764665" cy="283817"/>
-          </a:xfrm>
-          <a:prstGeom prst="rect">
-            <a:avLst/>
-          </a:prstGeom>
-        </p:spPr>
-        <p:txBody>
-          <a:bodyPr vert="horz" lIns="80678" tIns="40339" rIns="80678" bIns="40339" rtlCol="0" anchor="ctr"/>
-          <a:lstStyle>
-            <a:lvl1pPr algn="r">
-              <a:defRPr sz="1100">
-                <a:solidFill>
-                  <a:schemeClr val="tx1">
-                    <a:tint val="75000"/>
-                  </a:schemeClr>
-                </a:solidFill>
-              </a:defRPr>
-            </a:lvl1pPr>
-          </a:lstStyle>
-          <a:p>
-            <a:fld id="{3A3AAF8E-01AD-0B40-85E5-1DEBD88C874F}" type="slidenum">
-              <a:rPr lang="de-DE" smtClean="0"/>
-              <a:t>‹Nr.›</a:t>
-            </a:fld>
-            <a:endParaRPr lang="de-DE"/>
-          </a:p>
-        </p:txBody>
-      </p:sp>
-      <p:sp>
-        <p:nvSpPr>
-          <p:cNvPr id="8" name="Rechteck 7"/>
-          <p:cNvSpPr/>
-          <p:nvPr/>
-        </p:nvSpPr>
-        <p:spPr>
-          <a:xfrm>
-            <a:off x="0" y="0"/>
-            <a:ext cx="7562850" cy="61450"/>
-          </a:xfrm>
-          <a:prstGeom prst="rect">
-            <a:avLst/>
-          </a:prstGeom>
-          <a:solidFill>
-            <a:srgbClr val="9CD5E7"/>
-          </a:solidFill>
-          <a:ln>
-            <a:solidFill>
-              <a:srgbClr val="9CD5E7"/>
-            </a:solidFill>
-          </a:ln>
-          <a:effectLst/>
-        </p:spPr>
-        <p:style>
-          <a:lnRef idx="1">
-            <a:schemeClr val="accent1"/>
-          </a:lnRef>
-          <a:fillRef idx="3">
-            <a:schemeClr val="accent1"/>
-          </a:fillRef>
-          <a:effectRef idx="2">
-            <a:schemeClr val="accent1"/>
-          </a:effectRef>
-          <a:fontRef idx="minor">
-            <a:schemeClr val="lt1"/>
-          </a:fontRef>
-        </p:style>
-        <p:txBody>
-          <a:bodyPr rtlCol="0" anchor="ctr"/>
-          <a:lstStyle/>
-          <a:p>
-            <a:pPr algn="ctr"/>
-            <a:endParaRPr lang="de-DE"/>
-          </a:p>
-        </p:txBody>
-      </p:sp>
-      <p:sp>
-        <p:nvSpPr>
-          <p:cNvPr id="9" name="Ecken des Rechtecks auf der gleichen Seite abrunden 8"/>
-          <p:cNvSpPr/>
-          <p:nvPr/>
-        </p:nvSpPr>
-        <p:spPr>
-          <a:xfrm flipV="1">
-            <a:off x="5189271" y="-6830"/>
-            <a:ext cx="1905008" cy="430153"/>
-          </a:xfrm>
-          <a:prstGeom prst="round2SameRect">
-            <a:avLst>
-              <a:gd name="adj1" fmla="val 11111"/>
-              <a:gd name="adj2" fmla="val 0"/>
-            </a:avLst>
-          </a:prstGeom>
-          <a:solidFill>
-            <a:srgbClr val="1191D1"/>
-          </a:solidFill>
-          <a:ln>
-            <a:solidFill>
-              <a:srgbClr val="1191D1"/>
-            </a:solidFill>
-          </a:ln>
-          <a:effectLst/>
-        </p:spPr>
-        <p:style>
-          <a:lnRef idx="1">
-            <a:schemeClr val="accent1"/>
-          </a:lnRef>
-          <a:fillRef idx="3">
-            <a:schemeClr val="accent1"/>
-          </a:fillRef>
-          <a:effectRef idx="2">
-            <a:schemeClr val="accent1"/>
-          </a:effectRef>
-          <a:fontRef idx="minor">
-            <a:schemeClr val="lt1"/>
-          </a:fontRef>
-        </p:style>
-        <p:txBody>
-          <a:bodyPr rtlCol="0" anchor="ctr"/>
-          <a:lstStyle/>
-          <a:p>
-            <a:pPr algn="ctr"/>
-            <a:endParaRPr lang="de-DE" dirty="0"/>
-          </a:p>
-        </p:txBody>
-      </p:sp>
-      <p:sp>
-        <p:nvSpPr>
-          <p:cNvPr id="10" name="Textfeld 9"/>
-          <p:cNvSpPr txBox="1"/>
-          <p:nvPr/>
-        </p:nvSpPr>
-        <p:spPr>
-          <a:xfrm>
-            <a:off x="5250723" y="82390"/>
-            <a:ext cx="1905008" cy="253916"/>
-          </a:xfrm>
-          <a:prstGeom prst="rect">
-            <a:avLst/>
-          </a:prstGeom>
-          <a:noFill/>
-        </p:spPr>
-        <p:txBody>
-          <a:bodyPr wrap="square" rtlCol="0">
-            <a:spAutoFit/>
-          </a:bodyPr>
-          <a:lstStyle/>
-          <a:p>
-            <a:r>
-              <a:rPr lang="de-DE" sz="1050" b="1" dirty="0" smtClean="0">
-                <a:solidFill>
-                  <a:schemeClr val="bg1"/>
-                </a:solidFill>
-                <a:latin typeface="Avenir Book"/>
-                <a:cs typeface="Avenir Book"/>
-              </a:rPr>
-              <a:t>TRAININGSKARTE</a:t>
-            </a:r>
-            <a:r>
-              <a:rPr lang="de-DE" sz="1050" dirty="0" smtClean="0">
-                <a:solidFill>
-                  <a:schemeClr val="bg1"/>
-                </a:solidFill>
-                <a:latin typeface="Avenir Book"/>
-                <a:cs typeface="Avenir Book"/>
-              </a:rPr>
-              <a:t> </a:t>
-            </a:r>
-            <a:r>
-              <a:rPr lang="de-DE" sz="1050" b="1" dirty="0" smtClean="0">
-                <a:solidFill>
-                  <a:schemeClr val="bg1"/>
-                </a:solidFill>
-                <a:latin typeface="Avenir Heavy"/>
-                <a:cs typeface="Avenir Heavy"/>
-              </a:rPr>
-              <a:t>TOM-05</a:t>
-            </a:r>
-            <a:endParaRPr lang="de-DE" sz="1050" b="1" dirty="0">
-              <a:solidFill>
-                <a:schemeClr val="bg1"/>
-              </a:solidFill>
-              <a:latin typeface="Avenir Heavy"/>
-              <a:cs typeface="Avenir Heavy"/>
-            </a:endParaRPr>
-          </a:p>
-        </p:txBody>
-      </p:sp>
-      <p:pic>
-        <p:nvPicPr>
-          <p:cNvPr id="11" name="Bild 10" descr="Agile-Moves_neu.png"/>
-          <p:cNvPicPr>
-            <a:picLocks noChangeAspect="1"/>
-          </p:cNvPicPr>
-          <p:nvPr/>
-        </p:nvPicPr>
-        <p:blipFill rotWithShape="1">
-          <a:blip r:embed="rId6">
-            <a:extLst>
-              <a:ext uri="{28A0092B-C50C-407E-A947-70E740481C1C}">
-                <a14:useLocalDpi xmlns:a14="http://schemas.microsoft.com/office/drawing/2010/main" val="0"/>
-              </a:ext>
-            </a:extLst>
-          </a:blip>
-          <a:srcRect l="41251" t="11643" r="41617" b="41498"/>
-          <a:stretch/>
-        </p:blipFill>
-        <p:spPr>
-          <a:xfrm>
-            <a:off x="218218" y="589976"/>
-            <a:ext cx="886754" cy="808932"/>
-          </a:xfrm>
-          <a:prstGeom prst="rect">
-            <a:avLst/>
-          </a:prstGeom>
-        </p:spPr>
-      </p:pic>
-      <p:sp>
-        <p:nvSpPr>
           <p:cNvPr id="12" name="Rechteck 11"/>
           <p:cNvSpPr/>
           <p:nvPr/>
@@ -1267,6 +855,438 @@
           </a:p>
         </p:txBody>
       </p:sp>
+      <p:sp>
+        <p:nvSpPr>
+          <p:cNvPr id="2" name="Titelplatzhalter 1"/>
+          <p:cNvSpPr>
+            <a:spLocks noGrp="1"/>
+          </p:cNvSpPr>
+          <p:nvPr>
+            <p:ph type="title"/>
+          </p:nvPr>
+        </p:nvSpPr>
+        <p:spPr>
+          <a:xfrm>
+            <a:off x="1173163" y="607122"/>
+            <a:ext cx="4358863" cy="830997"/>
+          </a:xfrm>
+          <a:prstGeom prst="rect">
+            <a:avLst/>
+          </a:prstGeom>
+          <a:noFill/>
+        </p:spPr>
+        <p:txBody>
+          <a:bodyPr wrap="square" rtlCol="0">
+            <a:spAutoFit/>
+          </a:bodyPr>
+          <a:lstStyle/>
+          <a:p>
+            <a:pPr marL="0" lvl="0" algn="l"/>
+            <a:r>
+              <a:rPr lang="de-DE" dirty="0" smtClean="0"/>
+              <a:t>Überschrift </a:t>
+            </a:r>
+            <a:br>
+              <a:rPr lang="de-DE" dirty="0" smtClean="0"/>
+            </a:br>
+            <a:r>
+              <a:rPr lang="de-DE" dirty="0" smtClean="0"/>
+              <a:t>bearbeiten </a:t>
+            </a:r>
+            <a:endParaRPr lang="de-DE" dirty="0"/>
+          </a:p>
+        </p:txBody>
+      </p:sp>
+      <p:sp>
+        <p:nvSpPr>
+          <p:cNvPr id="3" name="Textplatzhalter 2"/>
+          <p:cNvSpPr>
+            <a:spLocks noGrp="1"/>
+          </p:cNvSpPr>
+          <p:nvPr>
+            <p:ph type="body" idx="1"/>
+          </p:nvPr>
+        </p:nvSpPr>
+        <p:spPr>
+          <a:xfrm>
+            <a:off x="858838" y="1568452"/>
+            <a:ext cx="6011545" cy="3133835"/>
+          </a:xfrm>
+          <a:prstGeom prst="rect">
+            <a:avLst/>
+          </a:prstGeom>
+          <a:noFill/>
+        </p:spPr>
+        <p:txBody>
+          <a:bodyPr vert="horz" lIns="80678" tIns="40339" rIns="80678" bIns="40339" rtlCol="0">
+            <a:normAutofit/>
+          </a:bodyPr>
+          <a:lstStyle/>
+          <a:p>
+            <a:pPr lvl="0"/>
+            <a:r>
+              <a:rPr lang="de-DE" dirty="0" smtClean="0"/>
+              <a:t>Mastertextformat bearbeiten</a:t>
+            </a:r>
+          </a:p>
+          <a:p>
+            <a:pPr lvl="1"/>
+            <a:r>
+              <a:rPr lang="de-DE" dirty="0" smtClean="0"/>
+              <a:t>Zweite Ebene</a:t>
+            </a:r>
+          </a:p>
+          <a:p>
+            <a:pPr lvl="2"/>
+            <a:r>
+              <a:rPr lang="de-DE" dirty="0" smtClean="0"/>
+              <a:t>Dritte Ebene</a:t>
+            </a:r>
+          </a:p>
+          <a:p>
+            <a:pPr lvl="3"/>
+            <a:r>
+              <a:rPr lang="de-DE" dirty="0" smtClean="0"/>
+              <a:t>Vierte Ebene</a:t>
+            </a:r>
+          </a:p>
+          <a:p>
+            <a:pPr lvl="4"/>
+            <a:r>
+              <a:rPr lang="de-DE" dirty="0" smtClean="0"/>
+              <a:t>Fünfte Ebene</a:t>
+            </a:r>
+            <a:endParaRPr lang="de-DE" dirty="0"/>
+          </a:p>
+        </p:txBody>
+      </p:sp>
+      <p:sp>
+        <p:nvSpPr>
+          <p:cNvPr id="4" name="Datumsplatzhalter 3"/>
+          <p:cNvSpPr>
+            <a:spLocks noGrp="1"/>
+          </p:cNvSpPr>
+          <p:nvPr>
+            <p:ph type="dt" sz="half" idx="2"/>
+          </p:nvPr>
+        </p:nvSpPr>
+        <p:spPr>
+          <a:xfrm>
+            <a:off x="378144" y="4940886"/>
+            <a:ext cx="1764665" cy="283817"/>
+          </a:xfrm>
+          <a:prstGeom prst="rect">
+            <a:avLst/>
+          </a:prstGeom>
+        </p:spPr>
+        <p:txBody>
+          <a:bodyPr vert="horz" lIns="80678" tIns="40339" rIns="80678" bIns="40339" rtlCol="0" anchor="ctr"/>
+          <a:lstStyle>
+            <a:lvl1pPr algn="l">
+              <a:defRPr sz="1100">
+                <a:solidFill>
+                  <a:schemeClr val="tx1">
+                    <a:tint val="75000"/>
+                  </a:schemeClr>
+                </a:solidFill>
+              </a:defRPr>
+            </a:lvl1pPr>
+          </a:lstStyle>
+          <a:p>
+            <a:fld id="{FF5B2BAF-DF38-0A48-A798-0C06E514FD52}" type="datetimeFigureOut">
+              <a:rPr lang="de-DE" smtClean="0"/>
+              <a:t>29.05.15</a:t>
+            </a:fld>
+            <a:endParaRPr lang="de-DE" dirty="0"/>
+          </a:p>
+        </p:txBody>
+      </p:sp>
+      <p:sp>
+        <p:nvSpPr>
+          <p:cNvPr id="5" name="Fußzeilenplatzhalter 4"/>
+          <p:cNvSpPr>
+            <a:spLocks noGrp="1"/>
+          </p:cNvSpPr>
+          <p:nvPr>
+            <p:ph type="ftr" sz="quarter" idx="3"/>
+          </p:nvPr>
+        </p:nvSpPr>
+        <p:spPr>
+          <a:xfrm>
+            <a:off x="2583974" y="4940886"/>
+            <a:ext cx="2394903" cy="283817"/>
+          </a:xfrm>
+          <a:prstGeom prst="rect">
+            <a:avLst/>
+          </a:prstGeom>
+        </p:spPr>
+        <p:txBody>
+          <a:bodyPr vert="horz" lIns="80678" tIns="40339" rIns="80678" bIns="40339" rtlCol="0" anchor="ctr"/>
+          <a:lstStyle>
+            <a:lvl1pPr algn="ctr">
+              <a:defRPr sz="1100">
+                <a:solidFill>
+                  <a:schemeClr val="tx1">
+                    <a:tint val="75000"/>
+                  </a:schemeClr>
+                </a:solidFill>
+              </a:defRPr>
+            </a:lvl1pPr>
+          </a:lstStyle>
+          <a:p>
+            <a:endParaRPr lang="de-DE"/>
+          </a:p>
+        </p:txBody>
+      </p:sp>
+      <p:sp>
+        <p:nvSpPr>
+          <p:cNvPr id="6" name="Foliennummernplatzhalter 5"/>
+          <p:cNvSpPr>
+            <a:spLocks noGrp="1"/>
+          </p:cNvSpPr>
+          <p:nvPr>
+            <p:ph type="sldNum" sz="quarter" idx="4"/>
+          </p:nvPr>
+        </p:nvSpPr>
+        <p:spPr>
+          <a:xfrm>
+            <a:off x="5420044" y="4940886"/>
+            <a:ext cx="1764665" cy="283817"/>
+          </a:xfrm>
+          <a:prstGeom prst="rect">
+            <a:avLst/>
+          </a:prstGeom>
+        </p:spPr>
+        <p:txBody>
+          <a:bodyPr vert="horz" lIns="80678" tIns="40339" rIns="80678" bIns="40339" rtlCol="0" anchor="ctr"/>
+          <a:lstStyle>
+            <a:lvl1pPr algn="r">
+              <a:defRPr sz="1100">
+                <a:solidFill>
+                  <a:schemeClr val="tx1">
+                    <a:tint val="75000"/>
+                  </a:schemeClr>
+                </a:solidFill>
+              </a:defRPr>
+            </a:lvl1pPr>
+          </a:lstStyle>
+          <a:p>
+            <a:fld id="{3A3AAF8E-01AD-0B40-85E5-1DEBD88C874F}" type="slidenum">
+              <a:rPr lang="de-DE" smtClean="0"/>
+              <a:t>‹Nr.›</a:t>
+            </a:fld>
+            <a:endParaRPr lang="de-DE"/>
+          </a:p>
+        </p:txBody>
+      </p:sp>
+      <p:sp>
+        <p:nvSpPr>
+          <p:cNvPr id="8" name="Rechteck 7"/>
+          <p:cNvSpPr/>
+          <p:nvPr/>
+        </p:nvSpPr>
+        <p:spPr>
+          <a:xfrm>
+            <a:off x="0" y="0"/>
+            <a:ext cx="7562850" cy="61450"/>
+          </a:xfrm>
+          <a:prstGeom prst="rect">
+            <a:avLst/>
+          </a:prstGeom>
+          <a:solidFill>
+            <a:srgbClr val="9CD5E7"/>
+          </a:solidFill>
+          <a:ln>
+            <a:solidFill>
+              <a:srgbClr val="9CD5E7"/>
+            </a:solidFill>
+          </a:ln>
+          <a:effectLst/>
+        </p:spPr>
+        <p:style>
+          <a:lnRef idx="1">
+            <a:schemeClr val="accent1"/>
+          </a:lnRef>
+          <a:fillRef idx="3">
+            <a:schemeClr val="accent1"/>
+          </a:fillRef>
+          <a:effectRef idx="2">
+            <a:schemeClr val="accent1"/>
+          </a:effectRef>
+          <a:fontRef idx="minor">
+            <a:schemeClr val="lt1"/>
+          </a:fontRef>
+        </p:style>
+        <p:txBody>
+          <a:bodyPr rtlCol="0" anchor="ctr"/>
+          <a:lstStyle/>
+          <a:p>
+            <a:pPr algn="ctr"/>
+            <a:endParaRPr lang="de-DE"/>
+          </a:p>
+        </p:txBody>
+      </p:sp>
+      <p:sp>
+        <p:nvSpPr>
+          <p:cNvPr id="9" name="Ecken des Rechtecks auf der gleichen Seite abrunden 8"/>
+          <p:cNvSpPr/>
+          <p:nvPr/>
+        </p:nvSpPr>
+        <p:spPr>
+          <a:xfrm flipV="1">
+            <a:off x="5189271" y="-6830"/>
+            <a:ext cx="1905008" cy="430153"/>
+          </a:xfrm>
+          <a:prstGeom prst="round2SameRect">
+            <a:avLst>
+              <a:gd name="adj1" fmla="val 11111"/>
+              <a:gd name="adj2" fmla="val 0"/>
+            </a:avLst>
+          </a:prstGeom>
+          <a:solidFill>
+            <a:srgbClr val="1191D1"/>
+          </a:solidFill>
+          <a:ln>
+            <a:solidFill>
+              <a:srgbClr val="1191D1"/>
+            </a:solidFill>
+          </a:ln>
+          <a:effectLst/>
+        </p:spPr>
+        <p:style>
+          <a:lnRef idx="1">
+            <a:schemeClr val="accent1"/>
+          </a:lnRef>
+          <a:fillRef idx="3">
+            <a:schemeClr val="accent1"/>
+          </a:fillRef>
+          <a:effectRef idx="2">
+            <a:schemeClr val="accent1"/>
+          </a:effectRef>
+          <a:fontRef idx="minor">
+            <a:schemeClr val="lt1"/>
+          </a:fontRef>
+        </p:style>
+        <p:txBody>
+          <a:bodyPr rtlCol="0" anchor="ctr"/>
+          <a:lstStyle/>
+          <a:p>
+            <a:pPr algn="ctr"/>
+            <a:endParaRPr lang="de-DE" dirty="0"/>
+          </a:p>
+        </p:txBody>
+      </p:sp>
+      <p:sp>
+        <p:nvSpPr>
+          <p:cNvPr id="10" name="Textfeld 9"/>
+          <p:cNvSpPr txBox="1"/>
+          <p:nvPr/>
+        </p:nvSpPr>
+        <p:spPr>
+          <a:xfrm>
+            <a:off x="5250723" y="82390"/>
+            <a:ext cx="1905008" cy="253916"/>
+          </a:xfrm>
+          <a:prstGeom prst="rect">
+            <a:avLst/>
+          </a:prstGeom>
+          <a:noFill/>
+        </p:spPr>
+        <p:txBody>
+          <a:bodyPr wrap="square" rtlCol="0">
+            <a:spAutoFit/>
+          </a:bodyPr>
+          <a:lstStyle/>
+          <a:p>
+            <a:r>
+              <a:rPr lang="de-DE" sz="1050" b="1" dirty="0" smtClean="0">
+                <a:solidFill>
+                  <a:schemeClr val="bg1"/>
+                </a:solidFill>
+                <a:latin typeface="Avenir Book"/>
+                <a:cs typeface="Avenir Book"/>
+              </a:rPr>
+              <a:t>TRAININGSKARTE</a:t>
+            </a:r>
+            <a:r>
+              <a:rPr lang="de-DE" sz="1050" dirty="0" smtClean="0">
+                <a:solidFill>
+                  <a:schemeClr val="bg1"/>
+                </a:solidFill>
+                <a:latin typeface="Avenir Book"/>
+                <a:cs typeface="Avenir Book"/>
+              </a:rPr>
+              <a:t> </a:t>
+            </a:r>
+            <a:r>
+              <a:rPr lang="de-DE" sz="1050" b="1" dirty="0" smtClean="0">
+                <a:solidFill>
+                  <a:schemeClr val="bg1"/>
+                </a:solidFill>
+                <a:latin typeface="Avenir Heavy"/>
+                <a:cs typeface="Avenir Heavy"/>
+              </a:rPr>
+              <a:t>TOM</a:t>
+            </a:r>
+            <a:r>
+              <a:rPr lang="de-DE" sz="1050" b="1" baseline="0" dirty="0" smtClean="0">
+                <a:solidFill>
+                  <a:schemeClr val="bg1"/>
+                </a:solidFill>
+                <a:latin typeface="Avenir Heavy"/>
+                <a:cs typeface="Avenir Heavy"/>
+              </a:rPr>
+              <a:t> </a:t>
+            </a:r>
+            <a:r>
+              <a:rPr lang="de-DE" sz="1050" b="1" dirty="0" smtClean="0">
+                <a:solidFill>
+                  <a:schemeClr val="bg1"/>
+                </a:solidFill>
+                <a:latin typeface="Avenir Heavy"/>
+                <a:cs typeface="Avenir Heavy"/>
+              </a:rPr>
+              <a:t>05</a:t>
+            </a:r>
+            <a:endParaRPr lang="de-DE" sz="1050" b="1" dirty="0">
+              <a:solidFill>
+                <a:schemeClr val="bg1"/>
+              </a:solidFill>
+              <a:latin typeface="Avenir Heavy"/>
+              <a:cs typeface="Avenir Heavy"/>
+            </a:endParaRPr>
+          </a:p>
+        </p:txBody>
+      </p:sp>
+      <p:pic>
+        <p:nvPicPr>
+          <p:cNvPr id="11" name="Bild 10" descr="Agile-Moves_neu.png"/>
+          <p:cNvPicPr>
+            <a:picLocks noChangeAspect="1"/>
+          </p:cNvPicPr>
+          <p:nvPr/>
+        </p:nvPicPr>
+        <p:blipFill rotWithShape="1">
+          <a:blip r:embed="rId6">
+            <a:extLst>
+              <a:ext uri="{28A0092B-C50C-407E-A947-70E740481C1C}">
+                <a14:useLocalDpi xmlns:a14="http://schemas.microsoft.com/office/drawing/2010/main" val="0"/>
+              </a:ext>
+            </a:extLst>
+          </a:blip>
+          <a:srcRect l="41251" t="11643" r="41617" b="41498"/>
+          <a:stretch/>
+        </p:blipFill>
+        <p:spPr>
+          <a:xfrm>
+            <a:off x="218218" y="589976"/>
+            <a:ext cx="886754" cy="808932"/>
+          </a:xfrm>
+          <a:prstGeom prst="rect">
+            <a:avLst/>
+          </a:prstGeom>
+        </p:spPr>
+      </p:pic>
     </p:spTree>
     <p:extLst>
       <p:ext uri="{BB962C8B-B14F-4D97-AF65-F5344CB8AC3E}">
@@ -1645,7 +1665,31 @@
                   <a:srgbClr val="1191D1"/>
                 </a:solidFill>
               </a:rPr>
-              <a:t>"Um große Dinge zu erreichen braucht man zweierlei: einen Plan und gerade zu wenig Zeit." </a:t>
+              <a:t>"Um große Dinge zu erreichen braucht man zweierlei</a:t>
+            </a:r>
+            <a:r>
+              <a:rPr lang="de-DE" sz="1100" b="1">
+                <a:solidFill>
+                  <a:srgbClr val="1191D1"/>
+                </a:solidFill>
+              </a:rPr>
+              <a:t>: </a:t>
+            </a:r>
+            <a:r>
+              <a:rPr lang="de-DE" sz="1100" b="1" smtClean="0">
+                <a:solidFill>
+                  <a:srgbClr val="1191D1"/>
+                </a:solidFill>
+              </a:rPr>
+              <a:t>Einen </a:t>
+            </a:r>
+            <a:r>
+              <a:rPr lang="de-DE" sz="1100" b="1" dirty="0">
+                <a:solidFill>
+                  <a:srgbClr val="1191D1"/>
+                </a:solidFill>
+              </a:rPr>
+              <a:t>Plan und gerade zu wenig Zeit." </a:t>
             </a:r>
             <a:r>
               <a:rPr lang="de-DE" sz="1100" b="1" dirty="0" smtClean="0">
